--- a/slides/Day3/Build Deep Neural Network.pptx
+++ b/slides/Day3/Build Deep Neural Network.pptx
@@ -19664,17 +19664,7 @@
                 <a:latin typeface="微軟正黑體" pitchFamily="34" charset="-120"/>
                 <a:ea typeface="微軟正黑體" pitchFamily="34" charset="-120"/>
               </a:rPr>
-              <a:t>Multi-dimension </a:t>
-            </a:r>
-            <a:r>
-              <a:rPr lang="en" sz="3000" dirty="0" smtClean="0">
-                <a:solidFill>
-                  <a:srgbClr val="004C7F"/>
-                </a:solidFill>
-                <a:latin typeface="微軟正黑體" pitchFamily="34" charset="-120"/>
-                <a:ea typeface="微軟正黑體" pitchFamily="34" charset="-120"/>
-              </a:rPr>
-              <a:t>linear regression</a:t>
+              <a:t>Multi-dimension linear regression</a:t>
             </a:r>
             <a:endParaRPr dirty="0">
               <a:latin typeface="微軟正黑體" pitchFamily="34" charset="-120"/>
@@ -22115,7 +22105,7 @@
       </p:sp>
       <p:pic>
         <p:nvPicPr>
-          <p:cNvPr id="7170" name="Picture 2"/>
+          <p:cNvPr id="1026" name="Picture 2"/>
           <p:cNvPicPr>
             <a:picLocks noChangeAspect="1" noChangeArrowheads="1"/>
           </p:cNvPicPr>
@@ -22130,8 +22120,8 @@
         </p:blipFill>
         <p:spPr bwMode="auto">
           <a:xfrm>
-            <a:off x="827584" y="1707654"/>
-            <a:ext cx="7502376" cy="1656184"/>
+            <a:off x="1043608" y="1491630"/>
+            <a:ext cx="7286501" cy="2808312"/>
           </a:xfrm>
           <a:prstGeom prst="rect">
             <a:avLst/>
